--- a/Translator on cloud.pptx
+++ b/Translator on cloud.pptx
@@ -7489,10 +7489,19 @@
               <a:t> AWS lambda on  </a:t>
             </a:r>
             <a:r>
+              <a:rPr lang="en-US" dirty="0" err="1" smtClean="0">
+                <a:hlinkClick r:id="rId5"/>
+              </a:rPr>
+              <a:t>vscode</a:t>
+            </a:r>
+            <a:endParaRPr lang="en-US" dirty="0" smtClean="0"/>
+          </a:p>
+          <a:p>
+            <a:r>
               <a:rPr lang="en-US" smtClean="0">
-                <a:hlinkClick r:id="rId5"/>
-              </a:rPr>
-              <a:t>vscode</a:t>
+                <a:hlinkClick r:id="rId6"/>
+              </a:rPr>
+              <a:t>Change default runtime handler</a:t>
             </a:r>
             <a:endParaRPr lang="en-US" dirty="0"/>
           </a:p>

--- a/Translator on cloud.pptx
+++ b/Translator on cloud.pptx
@@ -7498,10 +7498,29 @@
           </a:p>
           <a:p>
             <a:r>
-              <a:rPr lang="en-US" smtClean="0">
+              <a:rPr lang="en-US" dirty="0" smtClean="0">
                 <a:hlinkClick r:id="rId6"/>
               </a:rPr>
-              <a:t>Change default runtime handler</a:t>
+              <a:t>Change default runtime </a:t>
+            </a:r>
+            <a:r>
+              <a:rPr lang="en-US" dirty="0" smtClean="0">
+                <a:hlinkClick r:id="rId6"/>
+              </a:rPr>
+              <a:t>handler</a:t>
+            </a:r>
+            <a:endParaRPr lang="en-US" dirty="0" smtClean="0"/>
+          </a:p>
+          <a:p>
+            <a:r>
+              <a:rPr lang="en-US" dirty="0" smtClean="0"/>
+              <a:t>Source:  </a:t>
+            </a:r>
+            <a:r>
+              <a:rPr lang="en-US" dirty="0" err="1" smtClean="0">
+                <a:hlinkClick r:id="rId7"/>
+              </a:rPr>
+              <a:t>Github</a:t>
             </a:r>
             <a:endParaRPr lang="en-US" dirty="0"/>
           </a:p>

--- a/Translator on cloud.pptx
+++ b/Translator on cloud.pptx
@@ -8,8 +8,8 @@
     <p:sldId id="256" r:id="rId2"/>
     <p:sldId id="262" r:id="rId3"/>
     <p:sldId id="261" r:id="rId4"/>
-    <p:sldId id="278" r:id="rId5"/>
-    <p:sldId id="290" r:id="rId6"/>
+    <p:sldId id="290" r:id="rId5"/>
+    <p:sldId id="278" r:id="rId6"/>
     <p:sldId id="282" r:id="rId7"/>
     <p:sldId id="283" r:id="rId8"/>
     <p:sldId id="288" r:id="rId9"/>
@@ -339,7 +339,7 @@
           <a:p>
             <a:fld id="{96DFF08F-DC6B-4601-B491-B0F83F6DD2DA}" type="datetimeFigureOut">
               <a:rPr lang="en-US" dirty="0"/>
-              <a:t>9/7/2021</a:t>
+              <a:t>9/8/2021</a:t>
             </a:fld>
             <a:endParaRPr lang="en-US" dirty="0"/>
           </a:p>
@@ -555,7 +555,7 @@
           <a:p>
             <a:fld id="{96DFF08F-DC6B-4601-B491-B0F83F6DD2DA}" type="datetimeFigureOut">
               <a:rPr lang="en-US" dirty="0"/>
-              <a:t>9/7/2021</a:t>
+              <a:t>9/8/2021</a:t>
             </a:fld>
             <a:endParaRPr lang="en-US" dirty="0"/>
           </a:p>
@@ -730,7 +730,7 @@
           <a:p>
             <a:fld id="{96DFF08F-DC6B-4601-B491-B0F83F6DD2DA}" type="datetimeFigureOut">
               <a:rPr lang="en-US" dirty="0"/>
-              <a:t>9/7/2021</a:t>
+              <a:t>9/8/2021</a:t>
             </a:fld>
             <a:endParaRPr lang="en-US" dirty="0"/>
           </a:p>
@@ -895,7 +895,7 @@
           <a:p>
             <a:fld id="{96DFF08F-DC6B-4601-B491-B0F83F6DD2DA}" type="datetimeFigureOut">
               <a:rPr lang="en-US" dirty="0"/>
-              <a:t>9/7/2021</a:t>
+              <a:t>9/8/2021</a:t>
             </a:fld>
             <a:endParaRPr lang="en-US" dirty="0"/>
           </a:p>
@@ -1141,7 +1141,7 @@
           <a:p>
             <a:fld id="{96DFF08F-DC6B-4601-B491-B0F83F6DD2DA}" type="datetimeFigureOut">
               <a:rPr lang="en-US" dirty="0"/>
-              <a:t>9/7/2021</a:t>
+              <a:t>9/8/2021</a:t>
             </a:fld>
             <a:endParaRPr lang="en-US" dirty="0"/>
           </a:p>
@@ -1459,7 +1459,7 @@
           <a:p>
             <a:fld id="{96DFF08F-DC6B-4601-B491-B0F83F6DD2DA}" type="datetimeFigureOut">
               <a:rPr lang="en-US" dirty="0"/>
-              <a:t>9/7/2021</a:t>
+              <a:t>9/8/2021</a:t>
             </a:fld>
             <a:endParaRPr lang="en-US" dirty="0"/>
           </a:p>
@@ -1878,7 +1878,7 @@
           <a:p>
             <a:fld id="{96DFF08F-DC6B-4601-B491-B0F83F6DD2DA}" type="datetimeFigureOut">
               <a:rPr lang="en-US" dirty="0"/>
-              <a:t>9/7/2021</a:t>
+              <a:t>9/8/2021</a:t>
             </a:fld>
             <a:endParaRPr lang="en-US" dirty="0"/>
           </a:p>
@@ -1991,7 +1991,7 @@
           <a:p>
             <a:fld id="{96DFF08F-DC6B-4601-B491-B0F83F6DD2DA}" type="datetimeFigureOut">
               <a:rPr lang="en-US" dirty="0"/>
-              <a:t>9/7/2021</a:t>
+              <a:t>9/8/2021</a:t>
             </a:fld>
             <a:endParaRPr lang="en-US" dirty="0"/>
           </a:p>
@@ -2081,7 +2081,7 @@
           <a:p>
             <a:fld id="{96DFF08F-DC6B-4601-B491-B0F83F6DD2DA}" type="datetimeFigureOut">
               <a:rPr lang="en-US" dirty="0"/>
-              <a:t>9/7/2021</a:t>
+              <a:t>9/8/2021</a:t>
             </a:fld>
             <a:endParaRPr lang="en-US" dirty="0"/>
           </a:p>
@@ -2366,7 +2366,7 @@
           <a:p>
             <a:fld id="{96DFF08F-DC6B-4601-B491-B0F83F6DD2DA}" type="datetimeFigureOut">
               <a:rPr lang="en-US" dirty="0"/>
-              <a:t>9/7/2021</a:t>
+              <a:t>9/8/2021</a:t>
             </a:fld>
             <a:endParaRPr lang="en-US" dirty="0"/>
           </a:p>
@@ -2633,7 +2633,7 @@
           <a:p>
             <a:fld id="{96DFF08F-DC6B-4601-B491-B0F83F6DD2DA}" type="datetimeFigureOut">
               <a:rPr lang="en-US" dirty="0"/>
-              <a:t>9/7/2021</a:t>
+              <a:t>9/8/2021</a:t>
             </a:fld>
             <a:endParaRPr lang="en-US" dirty="0"/>
           </a:p>
@@ -2883,7 +2883,7 @@
             <a:fld id="{96DFF08F-DC6B-4601-B491-B0F83F6DD2DA}" type="datetimeFigureOut">
               <a:rPr lang="en-US" dirty="0"/>
               <a:pPr/>
-              <a:t>9/7/2021</a:t>
+              <a:t>9/8/2021</a:t>
             </a:fld>
             <a:endParaRPr lang="en-US" dirty="0"/>
           </a:p>
@@ -3406,6 +3406,14 @@
               <a:rPr lang="en-US" dirty="0" err="1" smtClean="0"/>
               <a:t>Haruji</a:t>
             </a:r>
+            <a:endParaRPr lang="en-US" dirty="0" smtClean="0"/>
+          </a:p>
+          <a:p>
+            <a:pPr algn="r"/>
+            <a:r>
+              <a:rPr lang="en-US" dirty="0" smtClean="0"/>
+              <a:t>Email: dung.nguyen@furucrm.com</a:t>
+            </a:r>
             <a:endParaRPr lang="en-US" dirty="0"/>
           </a:p>
         </p:txBody>
@@ -7501,13 +7509,7 @@
               <a:rPr lang="en-US" dirty="0" smtClean="0">
                 <a:hlinkClick r:id="rId6"/>
               </a:rPr>
-              <a:t>Change default runtime </a:t>
-            </a:r>
-            <a:r>
-              <a:rPr lang="en-US" dirty="0" smtClean="0">
-                <a:hlinkClick r:id="rId6"/>
-              </a:rPr>
-              <a:t>handler</a:t>
+              <a:t>Change default runtime handler</a:t>
             </a:r>
             <a:endParaRPr lang="en-US" dirty="0" smtClean="0"/>
           </a:p>
@@ -7536,6 +7538,13 @@
   <p:clrMapOvr>
     <a:masterClrMapping/>
   </p:clrMapOvr>
+  <p:timing>
+    <p:tnLst>
+      <p:par>
+        <p:cTn id="1" dur="indefinite" restart="never" nodeType="tmRoot"/>
+      </p:par>
+    </p:tnLst>
+  </p:timing>
 </p:sld>
 </file>
 
@@ -7655,7 +7664,7 @@
           <a:p>
             <a:r>
               <a:rPr lang="en-US" dirty="0" smtClean="0"/>
-              <a:t>Developing Path:</a:t>
+              <a:t>Case study:</a:t>
             </a:r>
             <a:endParaRPr lang="en-US" dirty="0"/>
           </a:p>
@@ -7683,200 +7692,141 @@
           </a:bodyPr>
           <a:lstStyle/>
           <a:p>
+            <a:r>
+              <a:rPr lang="en-US" b="1" dirty="0" smtClean="0">
+                <a:solidFill>
+                  <a:schemeClr val="tx1"/>
+                </a:solidFill>
+              </a:rPr>
+              <a:t>Reduced </a:t>
+            </a:r>
+            <a:r>
+              <a:rPr lang="en-US" b="1" dirty="0">
+                <a:solidFill>
+                  <a:schemeClr val="tx1"/>
+                </a:solidFill>
+              </a:rPr>
+              <a:t>time required for employee awareness </a:t>
+            </a:r>
+            <a:r>
+              <a:rPr lang="en-US" b="1" dirty="0" smtClean="0">
+                <a:solidFill>
+                  <a:schemeClr val="tx1"/>
+                </a:solidFill>
+              </a:rPr>
+              <a:t>surveys</a:t>
+            </a:r>
+          </a:p>
+          <a:p>
+            <a:r>
+              <a:rPr lang="en-US" b="1" dirty="0">
+                <a:solidFill>
+                  <a:schemeClr val="tx1"/>
+                </a:solidFill>
+              </a:rPr>
+              <a:t>Instantly translate the information stored on your </a:t>
+            </a:r>
+            <a:r>
+              <a:rPr lang="en-US" b="1" dirty="0" smtClean="0">
+                <a:solidFill>
+                  <a:schemeClr val="tx1"/>
+                </a:solidFill>
+              </a:rPr>
+              <a:t>website</a:t>
+            </a:r>
+          </a:p>
+          <a:p>
+            <a:r>
+              <a:rPr lang="en-US" b="1" dirty="0">
+                <a:solidFill>
+                  <a:schemeClr val="tx1"/>
+                </a:solidFill>
+              </a:rPr>
+              <a:t>Utilize Amazon Translate for services provided to customers</a:t>
+            </a:r>
+          </a:p>
+          <a:p>
             <a:pPr marL="45720" indent="0">
               <a:buNone/>
             </a:pPr>
-            <a:r>
-              <a:rPr lang="en-US" dirty="0" err="1" smtClean="0">
-                <a:solidFill>
-                  <a:schemeClr val="tx1"/>
-                </a:solidFill>
-                <a:latin typeface="Verdana (Body)"/>
-              </a:rPr>
-              <a:t>Có</a:t>
-            </a:r>
-            <a:r>
-              <a:rPr lang="en-US" dirty="0" smtClean="0">
-                <a:solidFill>
-                  <a:schemeClr val="tx1"/>
-                </a:solidFill>
-                <a:latin typeface="Verdana (Body)"/>
-              </a:rPr>
-              <a:t> 2 </a:t>
-            </a:r>
-            <a:r>
-              <a:rPr lang="en-US" dirty="0" err="1" smtClean="0">
-                <a:solidFill>
-                  <a:schemeClr val="tx1"/>
-                </a:solidFill>
-                <a:latin typeface="Verdana (Body)"/>
-              </a:rPr>
-              <a:t>hướng</a:t>
-            </a:r>
-            <a:r>
-              <a:rPr lang="en-US" dirty="0" smtClean="0">
-                <a:solidFill>
-                  <a:schemeClr val="tx1"/>
-                </a:solidFill>
-                <a:latin typeface="Verdana (Body)"/>
-              </a:rPr>
-              <a:t> </a:t>
-            </a:r>
-            <a:r>
-              <a:rPr lang="en-US" dirty="0" err="1" smtClean="0">
-                <a:solidFill>
-                  <a:schemeClr val="tx1"/>
-                </a:solidFill>
-                <a:latin typeface="Verdana (Body)"/>
-              </a:rPr>
-              <a:t>để</a:t>
-            </a:r>
-            <a:r>
-              <a:rPr lang="en-US" dirty="0" smtClean="0">
-                <a:solidFill>
-                  <a:schemeClr val="tx1"/>
-                </a:solidFill>
-                <a:latin typeface="Verdana (Body)"/>
-              </a:rPr>
-              <a:t> </a:t>
-            </a:r>
-            <a:r>
-              <a:rPr lang="en-US" dirty="0" err="1" smtClean="0">
-                <a:solidFill>
-                  <a:schemeClr val="tx1"/>
-                </a:solidFill>
-                <a:latin typeface="Verdana (Body)"/>
-              </a:rPr>
-              <a:t>giải</a:t>
-            </a:r>
-            <a:r>
-              <a:rPr lang="en-US" dirty="0" smtClean="0">
-                <a:solidFill>
-                  <a:schemeClr val="tx1"/>
-                </a:solidFill>
-                <a:latin typeface="Verdana (Body)"/>
-              </a:rPr>
-              <a:t> </a:t>
-            </a:r>
-            <a:r>
-              <a:rPr lang="en-US" dirty="0" err="1" smtClean="0">
-                <a:solidFill>
-                  <a:schemeClr val="tx1"/>
-                </a:solidFill>
-                <a:latin typeface="Verdana (Body)"/>
-              </a:rPr>
-              <a:t>quyết</a:t>
-            </a:r>
-            <a:r>
-              <a:rPr lang="en-US" dirty="0" smtClean="0">
-                <a:solidFill>
-                  <a:schemeClr val="tx1"/>
-                </a:solidFill>
-                <a:latin typeface="Verdana (Body)"/>
-              </a:rPr>
-              <a:t> </a:t>
-            </a:r>
-            <a:r>
-              <a:rPr lang="en-US" dirty="0" err="1" smtClean="0">
-                <a:solidFill>
-                  <a:schemeClr val="tx1"/>
-                </a:solidFill>
-                <a:latin typeface="Verdana (Body)"/>
-              </a:rPr>
-              <a:t>vấn</a:t>
-            </a:r>
-            <a:r>
-              <a:rPr lang="en-US" dirty="0" smtClean="0">
-                <a:solidFill>
-                  <a:schemeClr val="tx1"/>
-                </a:solidFill>
-                <a:latin typeface="Verdana (Body)"/>
-              </a:rPr>
-              <a:t> </a:t>
-            </a:r>
-            <a:r>
-              <a:rPr lang="en-US" dirty="0" err="1" smtClean="0">
-                <a:solidFill>
-                  <a:schemeClr val="tx1"/>
-                </a:solidFill>
-                <a:latin typeface="Verdana (Body)"/>
-              </a:rPr>
-              <a:t>đề</a:t>
-            </a:r>
-            <a:r>
-              <a:rPr lang="en-US" dirty="0" smtClean="0">
-                <a:solidFill>
-                  <a:schemeClr val="tx1"/>
-                </a:solidFill>
-                <a:latin typeface="Verdana (Body)"/>
-              </a:rPr>
-              <a:t>:</a:t>
-            </a:r>
-          </a:p>
-          <a:p>
-            <a:r>
-              <a:rPr lang="en-US" u="sng" dirty="0" smtClean="0">
-                <a:solidFill>
-                  <a:schemeClr val="tx1"/>
-                </a:solidFill>
-                <a:latin typeface="Verdana (Body)"/>
-              </a:rPr>
-              <a:t>Directly</a:t>
-            </a:r>
-            <a:r>
-              <a:rPr lang="en-US" dirty="0" smtClean="0">
-                <a:solidFill>
-                  <a:schemeClr val="tx1"/>
-                </a:solidFill>
-                <a:latin typeface="Verdana (Body)"/>
-              </a:rPr>
-              <a:t> :Slack Bot send translating request directly to Lambda to get translated result.</a:t>
-            </a:r>
-          </a:p>
-          <a:p>
-            <a:r>
-              <a:rPr lang="en-US" u="sng" dirty="0" smtClean="0">
-                <a:solidFill>
-                  <a:schemeClr val="tx1"/>
-                </a:solidFill>
-                <a:latin typeface="Verdana (Body)"/>
-              </a:rPr>
-              <a:t>Indirectly</a:t>
-            </a:r>
-            <a:r>
-              <a:rPr lang="en-US" dirty="0" smtClean="0">
-                <a:solidFill>
-                  <a:schemeClr val="tx1"/>
-                </a:solidFill>
-                <a:latin typeface="Verdana (Body)"/>
-              </a:rPr>
-              <a:t> :Slack </a:t>
-            </a:r>
-            <a:r>
-              <a:rPr lang="en-US" dirty="0">
-                <a:solidFill>
-                  <a:schemeClr val="tx1"/>
-                </a:solidFill>
-                <a:latin typeface="Verdana (Body)"/>
-              </a:rPr>
-              <a:t>Bot send translating </a:t>
-            </a:r>
-            <a:r>
-              <a:rPr lang="en-US" dirty="0" smtClean="0">
-                <a:solidFill>
-                  <a:schemeClr val="tx1"/>
-                </a:solidFill>
-                <a:latin typeface="Verdana (Body)"/>
-              </a:rPr>
-              <a:t>request to get translated result via a medium server </a:t>
-            </a:r>
+            <a:endParaRPr lang="en-US" b="1" dirty="0">
+              <a:solidFill>
+                <a:schemeClr val="tx1"/>
+              </a:solidFill>
+            </a:endParaRPr>
+          </a:p>
+          <a:p>
+            <a:pPr marL="45720" indent="0">
+              <a:buNone/>
+            </a:pPr>
+            <a:r>
+              <a:rPr lang="en-US" b="1" dirty="0" smtClean="0">
+                <a:solidFill>
+                  <a:schemeClr val="tx1"/>
+                </a:solidFill>
+              </a:rPr>
+              <a:t>Another </a:t>
+            </a:r>
+            <a:r>
+              <a:rPr lang="en-US" b="1" dirty="0">
+                <a:solidFill>
+                  <a:schemeClr val="tx1"/>
+                </a:solidFill>
+              </a:rPr>
+              <a:t>stud case: </a:t>
+            </a:r>
+            <a:r>
+              <a:rPr lang="en-US" b="1" dirty="0">
+                <a:solidFill>
+                  <a:schemeClr val="tx1"/>
+                </a:solidFill>
+                <a:hlinkClick r:id="rId2"/>
+              </a:rPr>
+              <a:t>https://www.successglo.com/case-studies/</a:t>
+            </a:r>
+            <a:endParaRPr lang="en-US" b="1" dirty="0" smtClean="0">
+              <a:solidFill>
+                <a:schemeClr val="tx1"/>
+              </a:solidFill>
+            </a:endParaRPr>
+          </a:p>
+          <a:p>
+            <a:pPr marL="45720" indent="0">
+              <a:buNone/>
+            </a:pPr>
+            <a:endParaRPr lang="en-US" b="1" dirty="0">
+              <a:solidFill>
+                <a:schemeClr val="tx1"/>
+              </a:solidFill>
+            </a:endParaRPr>
+          </a:p>
+          <a:p>
+            <a:pPr marL="45720" indent="0">
+              <a:buNone/>
+            </a:pPr>
+            <a:endParaRPr lang="en-US" b="1" dirty="0">
+              <a:solidFill>
+                <a:schemeClr val="tx1"/>
+              </a:solidFill>
+            </a:endParaRPr>
+          </a:p>
+          <a:p>
+            <a:pPr marL="45720" indent="0">
+              <a:buNone/>
+            </a:pPr>
+            <a:endParaRPr lang="en-US" dirty="0" smtClean="0">
+              <a:solidFill>
+                <a:schemeClr val="tx1"/>
+              </a:solidFill>
+              <a:latin typeface="Verdana (Body)"/>
+            </a:endParaRPr>
           </a:p>
         </p:txBody>
       </p:sp>
     </p:spTree>
     <p:extLst>
       <p:ext uri="{BB962C8B-B14F-4D97-AF65-F5344CB8AC3E}">
-        <p14:creationId xmlns:p14="http://schemas.microsoft.com/office/powerpoint/2010/main" val="3640532905"/>
+        <p14:creationId xmlns:p14="http://schemas.microsoft.com/office/powerpoint/2010/main" val="3409757056"/>
       </p:ext>
     </p:extLst>
   </p:cSld>
@@ -7927,7 +7877,7 @@
           <a:p>
             <a:r>
               <a:rPr lang="en-US" dirty="0" smtClean="0"/>
-              <a:t>Case study:</a:t>
+              <a:t>Developing Path:</a:t>
             </a:r>
             <a:endParaRPr lang="en-US" dirty="0"/>
           </a:p>
@@ -7955,141 +7905,200 @@
           </a:bodyPr>
           <a:lstStyle/>
           <a:p>
-            <a:r>
-              <a:rPr lang="en-US" b="1" dirty="0" smtClean="0">
-                <a:solidFill>
-                  <a:schemeClr val="tx1"/>
-                </a:solidFill>
-              </a:rPr>
-              <a:t>Reduced </a:t>
-            </a:r>
-            <a:r>
-              <a:rPr lang="en-US" b="1" dirty="0">
-                <a:solidFill>
-                  <a:schemeClr val="tx1"/>
-                </a:solidFill>
-              </a:rPr>
-              <a:t>time required for employee awareness </a:t>
-            </a:r>
-            <a:r>
-              <a:rPr lang="en-US" b="1" dirty="0" smtClean="0">
-                <a:solidFill>
-                  <a:schemeClr val="tx1"/>
-                </a:solidFill>
-              </a:rPr>
-              <a:t>surveys</a:t>
-            </a:r>
-          </a:p>
-          <a:p>
-            <a:r>
-              <a:rPr lang="en-US" b="1" dirty="0">
-                <a:solidFill>
-                  <a:schemeClr val="tx1"/>
-                </a:solidFill>
-              </a:rPr>
-              <a:t>Instantly translate the information stored on your </a:t>
-            </a:r>
-            <a:r>
-              <a:rPr lang="en-US" b="1" dirty="0" smtClean="0">
-                <a:solidFill>
-                  <a:schemeClr val="tx1"/>
-                </a:solidFill>
-              </a:rPr>
-              <a:t>website</a:t>
-            </a:r>
-          </a:p>
-          <a:p>
-            <a:r>
-              <a:rPr lang="en-US" b="1" dirty="0">
-                <a:solidFill>
-                  <a:schemeClr val="tx1"/>
-                </a:solidFill>
-              </a:rPr>
-              <a:t>Utilize Amazon Translate for services provided to customers</a:t>
-            </a:r>
-          </a:p>
-          <a:p>
             <a:pPr marL="45720" indent="0">
               <a:buNone/>
             </a:pPr>
-            <a:endParaRPr lang="en-US" b="1" dirty="0">
-              <a:solidFill>
-                <a:schemeClr val="tx1"/>
-              </a:solidFill>
-            </a:endParaRPr>
-          </a:p>
-          <a:p>
-            <a:pPr marL="45720" indent="0">
-              <a:buNone/>
-            </a:pPr>
-            <a:r>
-              <a:rPr lang="en-US" b="1" dirty="0" smtClean="0">
-                <a:solidFill>
-                  <a:schemeClr val="tx1"/>
-                </a:solidFill>
-              </a:rPr>
-              <a:t>Another </a:t>
-            </a:r>
-            <a:r>
-              <a:rPr lang="en-US" b="1" dirty="0">
-                <a:solidFill>
-                  <a:schemeClr val="tx1"/>
-                </a:solidFill>
-              </a:rPr>
-              <a:t>stud case: </a:t>
-            </a:r>
-            <a:r>
-              <a:rPr lang="en-US" b="1" dirty="0">
-                <a:solidFill>
-                  <a:schemeClr val="tx1"/>
-                </a:solidFill>
-                <a:hlinkClick r:id="rId2"/>
-              </a:rPr>
-              <a:t>https://www.successglo.com/case-studies/</a:t>
-            </a:r>
-            <a:endParaRPr lang="en-US" b="1" dirty="0" smtClean="0">
-              <a:solidFill>
-                <a:schemeClr val="tx1"/>
-              </a:solidFill>
-            </a:endParaRPr>
-          </a:p>
-          <a:p>
-            <a:pPr marL="45720" indent="0">
-              <a:buNone/>
-            </a:pPr>
-            <a:endParaRPr lang="en-US" b="1" dirty="0">
-              <a:solidFill>
-                <a:schemeClr val="tx1"/>
-              </a:solidFill>
-            </a:endParaRPr>
-          </a:p>
-          <a:p>
-            <a:pPr marL="45720" indent="0">
-              <a:buNone/>
-            </a:pPr>
-            <a:endParaRPr lang="en-US" b="1" dirty="0">
-              <a:solidFill>
-                <a:schemeClr val="tx1"/>
-              </a:solidFill>
-            </a:endParaRPr>
-          </a:p>
-          <a:p>
-            <a:pPr marL="45720" indent="0">
-              <a:buNone/>
-            </a:pPr>
-            <a:endParaRPr lang="en-US" dirty="0" smtClean="0">
-              <a:solidFill>
-                <a:schemeClr val="tx1"/>
-              </a:solidFill>
-              <a:latin typeface="Verdana (Body)"/>
-            </a:endParaRPr>
+            <a:r>
+              <a:rPr lang="en-US" dirty="0" err="1" smtClean="0">
+                <a:solidFill>
+                  <a:schemeClr val="tx1"/>
+                </a:solidFill>
+                <a:latin typeface="Verdana (Body)"/>
+              </a:rPr>
+              <a:t>Có</a:t>
+            </a:r>
+            <a:r>
+              <a:rPr lang="en-US" dirty="0" smtClean="0">
+                <a:solidFill>
+                  <a:schemeClr val="tx1"/>
+                </a:solidFill>
+                <a:latin typeface="Verdana (Body)"/>
+              </a:rPr>
+              <a:t> 2 </a:t>
+            </a:r>
+            <a:r>
+              <a:rPr lang="en-US" dirty="0" err="1" smtClean="0">
+                <a:solidFill>
+                  <a:schemeClr val="tx1"/>
+                </a:solidFill>
+                <a:latin typeface="Verdana (Body)"/>
+              </a:rPr>
+              <a:t>hướng</a:t>
+            </a:r>
+            <a:r>
+              <a:rPr lang="en-US" dirty="0" smtClean="0">
+                <a:solidFill>
+                  <a:schemeClr val="tx1"/>
+                </a:solidFill>
+                <a:latin typeface="Verdana (Body)"/>
+              </a:rPr>
+              <a:t> </a:t>
+            </a:r>
+            <a:r>
+              <a:rPr lang="en-US" dirty="0" err="1" smtClean="0">
+                <a:solidFill>
+                  <a:schemeClr val="tx1"/>
+                </a:solidFill>
+                <a:latin typeface="Verdana (Body)"/>
+              </a:rPr>
+              <a:t>để</a:t>
+            </a:r>
+            <a:r>
+              <a:rPr lang="en-US" dirty="0" smtClean="0">
+                <a:solidFill>
+                  <a:schemeClr val="tx1"/>
+                </a:solidFill>
+                <a:latin typeface="Verdana (Body)"/>
+              </a:rPr>
+              <a:t> </a:t>
+            </a:r>
+            <a:r>
+              <a:rPr lang="en-US" dirty="0" err="1" smtClean="0">
+                <a:solidFill>
+                  <a:schemeClr val="tx1"/>
+                </a:solidFill>
+                <a:latin typeface="Verdana (Body)"/>
+              </a:rPr>
+              <a:t>giải</a:t>
+            </a:r>
+            <a:r>
+              <a:rPr lang="en-US" dirty="0" smtClean="0">
+                <a:solidFill>
+                  <a:schemeClr val="tx1"/>
+                </a:solidFill>
+                <a:latin typeface="Verdana (Body)"/>
+              </a:rPr>
+              <a:t> </a:t>
+            </a:r>
+            <a:r>
+              <a:rPr lang="en-US" dirty="0" err="1" smtClean="0">
+                <a:solidFill>
+                  <a:schemeClr val="tx1"/>
+                </a:solidFill>
+                <a:latin typeface="Verdana (Body)"/>
+              </a:rPr>
+              <a:t>quyết</a:t>
+            </a:r>
+            <a:r>
+              <a:rPr lang="en-US" dirty="0" smtClean="0">
+                <a:solidFill>
+                  <a:schemeClr val="tx1"/>
+                </a:solidFill>
+                <a:latin typeface="Verdana (Body)"/>
+              </a:rPr>
+              <a:t> </a:t>
+            </a:r>
+            <a:r>
+              <a:rPr lang="en-US" dirty="0" err="1" smtClean="0">
+                <a:solidFill>
+                  <a:schemeClr val="tx1"/>
+                </a:solidFill>
+                <a:latin typeface="Verdana (Body)"/>
+              </a:rPr>
+              <a:t>vấn</a:t>
+            </a:r>
+            <a:r>
+              <a:rPr lang="en-US" dirty="0" smtClean="0">
+                <a:solidFill>
+                  <a:schemeClr val="tx1"/>
+                </a:solidFill>
+                <a:latin typeface="Verdana (Body)"/>
+              </a:rPr>
+              <a:t> </a:t>
+            </a:r>
+            <a:r>
+              <a:rPr lang="en-US" dirty="0" err="1" smtClean="0">
+                <a:solidFill>
+                  <a:schemeClr val="tx1"/>
+                </a:solidFill>
+                <a:latin typeface="Verdana (Body)"/>
+              </a:rPr>
+              <a:t>đề</a:t>
+            </a:r>
+            <a:r>
+              <a:rPr lang="en-US" dirty="0" smtClean="0">
+                <a:solidFill>
+                  <a:schemeClr val="tx1"/>
+                </a:solidFill>
+                <a:latin typeface="Verdana (Body)"/>
+              </a:rPr>
+              <a:t>:</a:t>
+            </a:r>
+          </a:p>
+          <a:p>
+            <a:r>
+              <a:rPr lang="en-US" u="sng" dirty="0" smtClean="0">
+                <a:solidFill>
+                  <a:schemeClr val="tx1"/>
+                </a:solidFill>
+                <a:latin typeface="Verdana (Body)"/>
+              </a:rPr>
+              <a:t>Directly</a:t>
+            </a:r>
+            <a:r>
+              <a:rPr lang="en-US" dirty="0" smtClean="0">
+                <a:solidFill>
+                  <a:schemeClr val="tx1"/>
+                </a:solidFill>
+                <a:latin typeface="Verdana (Body)"/>
+              </a:rPr>
+              <a:t> :Slack Bot send translating request directly to Lambda to get translated result.</a:t>
+            </a:r>
+          </a:p>
+          <a:p>
+            <a:r>
+              <a:rPr lang="en-US" u="sng" dirty="0" smtClean="0">
+                <a:solidFill>
+                  <a:schemeClr val="tx1"/>
+                </a:solidFill>
+                <a:latin typeface="Verdana (Body)"/>
+              </a:rPr>
+              <a:t>Indirectly</a:t>
+            </a:r>
+            <a:r>
+              <a:rPr lang="en-US" dirty="0" smtClean="0">
+                <a:solidFill>
+                  <a:schemeClr val="tx1"/>
+                </a:solidFill>
+                <a:latin typeface="Verdana (Body)"/>
+              </a:rPr>
+              <a:t> :Slack </a:t>
+            </a:r>
+            <a:r>
+              <a:rPr lang="en-US" dirty="0">
+                <a:solidFill>
+                  <a:schemeClr val="tx1"/>
+                </a:solidFill>
+                <a:latin typeface="Verdana (Body)"/>
+              </a:rPr>
+              <a:t>Bot send translating </a:t>
+            </a:r>
+            <a:r>
+              <a:rPr lang="en-US" dirty="0" smtClean="0">
+                <a:solidFill>
+                  <a:schemeClr val="tx1"/>
+                </a:solidFill>
+                <a:latin typeface="Verdana (Body)"/>
+              </a:rPr>
+              <a:t>request to get translated result via a medium server </a:t>
+            </a:r>
           </a:p>
         </p:txBody>
       </p:sp>
     </p:spTree>
     <p:extLst>
       <p:ext uri="{BB962C8B-B14F-4D97-AF65-F5344CB8AC3E}">
-        <p14:creationId xmlns:p14="http://schemas.microsoft.com/office/powerpoint/2010/main" val="3409757056"/>
+        <p14:creationId xmlns:p14="http://schemas.microsoft.com/office/powerpoint/2010/main" val="3640532905"/>
       </p:ext>
     </p:extLst>
   </p:cSld>
@@ -8845,16 +8854,7 @@
                 </a:solidFill>
                 <a:hlinkClick r:id="rId5"/>
               </a:rPr>
-              <a:t> </a:t>
-            </a:r>
-            <a:r>
-              <a:rPr lang="en-US" smtClean="0">
-                <a:solidFill>
-                  <a:schemeClr val="tx1"/>
-                </a:solidFill>
-                <a:hlinkClick r:id="rId5"/>
-              </a:rPr>
-              <a:t>SAM app</a:t>
+              <a:t> SAM app</a:t>
             </a:r>
             <a:endParaRPr lang="en-US" dirty="0" smtClean="0">
               <a:solidFill>

--- a/Translator on cloud.pptx
+++ b/Translator on cloud.pptx
@@ -12,9 +12,9 @@
     <p:sldId id="278" r:id="rId6"/>
     <p:sldId id="282" r:id="rId7"/>
     <p:sldId id="283" r:id="rId8"/>
-    <p:sldId id="288" r:id="rId9"/>
-    <p:sldId id="287" r:id="rId10"/>
-    <p:sldId id="286" r:id="rId11"/>
+    <p:sldId id="287" r:id="rId9"/>
+    <p:sldId id="286" r:id="rId10"/>
+    <p:sldId id="288" r:id="rId11"/>
     <p:sldId id="285" r:id="rId12"/>
     <p:sldId id="258" r:id="rId13"/>
     <p:sldId id="265" r:id="rId14"/>
@@ -3476,15 +3476,15 @@
             </a:r>
             <a:r>
               <a:rPr lang="en-US" dirty="0" smtClean="0"/>
-              <a:t>Solution 1)</a:t>
-            </a:r>
-            <a:endParaRPr lang="en-US" dirty="0"/>
-          </a:p>
-        </p:txBody>
-      </p:sp>
-      <p:sp>
-        <p:nvSpPr>
-          <p:cNvPr id="3" name="Content Placeholder 2"/>
+              <a:t>Dev)</a:t>
+            </a:r>
+            <a:endParaRPr lang="en-US" dirty="0"/>
+          </a:p>
+        </p:txBody>
+      </p:sp>
+      <p:sp>
+        <p:nvSpPr>
+          <p:cNvPr id="4" name="Content Placeholder 3"/>
           <p:cNvSpPr>
             <a:spLocks noGrp="1"/>
           </p:cNvSpPr>
@@ -3495,7 +3495,7 @@
         <p:spPr/>
         <p:txBody>
           <a:bodyPr>
-            <a:normAutofit/>
+            <a:normAutofit lnSpcReduction="10000"/>
           </a:bodyPr>
           <a:lstStyle/>
           <a:p>
@@ -3503,55 +3503,75 @@
               <a:buNone/>
             </a:pPr>
             <a:r>
-              <a:rPr lang="vi-VN" dirty="0" smtClean="0">
-                <a:solidFill>
-                  <a:schemeClr val="tx1"/>
-                </a:solidFill>
-                <a:latin typeface="Verdana (Body)"/>
-              </a:rPr>
-              <a:t>Solution </a:t>
-            </a:r>
-            <a:r>
-              <a:rPr lang="vi-VN" dirty="0">
-                <a:solidFill>
-                  <a:schemeClr val="tx1"/>
-                </a:solidFill>
-                <a:latin typeface="Verdana (Body)"/>
-              </a:rPr>
-              <a:t>2:</a:t>
-            </a:r>
-            <a:br>
-              <a:rPr lang="vi-VN" dirty="0">
-                <a:solidFill>
-                  <a:schemeClr val="tx1"/>
-                </a:solidFill>
-                <a:latin typeface="Verdana (Body)"/>
-              </a:rPr>
-            </a:br>
-            <a:r>
-              <a:rPr lang="en-US" dirty="0" smtClean="0">
-                <a:solidFill>
-                  <a:schemeClr val="tx1"/>
-                </a:solidFill>
-                <a:latin typeface="Verdana (Body)"/>
-              </a:rPr>
-              <a:t>	Use </a:t>
-            </a:r>
-            <a:r>
-              <a:rPr lang="en-US" dirty="0" smtClean="0">
-                <a:solidFill>
-                  <a:schemeClr val="tx1"/>
-                </a:solidFill>
-                <a:latin typeface="Verdana (Body)"/>
-                <a:hlinkClick r:id="rId2"/>
-              </a:rPr>
-              <a:t> Step Functions State Machine </a:t>
+              <a:rPr lang="en-US" dirty="0" smtClean="0">
+                <a:solidFill>
+                  <a:schemeClr val="tx1"/>
+                </a:solidFill>
+              </a:rPr>
+              <a:t>Environment: Python </a:t>
+            </a:r>
+            <a:r>
+              <a:rPr lang="en-US" dirty="0">
+                <a:solidFill>
+                  <a:schemeClr val="tx1"/>
+                </a:solidFill>
+              </a:rPr>
+              <a:t>lambda on </a:t>
+            </a:r>
+            <a:r>
+              <a:rPr lang="en-US" dirty="0" err="1" smtClean="0">
+                <a:solidFill>
+                  <a:schemeClr val="tx1"/>
+                </a:solidFill>
+              </a:rPr>
+              <a:t>VScode</a:t>
+            </a:r>
+            <a:r>
+              <a:rPr lang="en-US" dirty="0" smtClean="0">
+                <a:solidFill>
+                  <a:schemeClr val="tx1"/>
+                </a:solidFill>
+              </a:rPr>
+              <a:t>	</a:t>
+            </a:r>
+          </a:p>
+          <a:p>
+            <a:pPr marL="45720" indent="0">
+              <a:buNone/>
+            </a:pPr>
+            <a:r>
+              <a:rPr lang="en-US" dirty="0" smtClean="0">
+                <a:solidFill>
+                  <a:schemeClr val="tx1"/>
+                </a:solidFill>
+              </a:rPr>
+              <a:t>Requirement:</a:t>
+            </a:r>
+          </a:p>
+          <a:p>
+            <a:pPr marL="45720" indent="0">
+              <a:buNone/>
+            </a:pPr>
+            <a:r>
+              <a:rPr lang="en-US" dirty="0" smtClean="0">
+                <a:solidFill>
+                  <a:schemeClr val="tx1"/>
+                </a:solidFill>
+              </a:rPr>
+              <a:t>+ </a:t>
+            </a:r>
+            <a:r>
+              <a:rPr lang="en-US" dirty="0" err="1" smtClean="0">
+                <a:solidFill>
+                  <a:schemeClr val="tx1"/>
+                </a:solidFill>
+              </a:rPr>
+              <a:t>Vscode</a:t>
             </a:r>
             <a:endParaRPr lang="en-US" dirty="0" smtClean="0">
               <a:solidFill>
                 <a:schemeClr val="tx1"/>
               </a:solidFill>
-              <a:latin typeface="Verdana (Body)"/>
             </a:endParaRPr>
           </a:p>
           <a:p>
@@ -3559,116 +3579,258 @@
               <a:buNone/>
             </a:pPr>
             <a:r>
-              <a:rPr lang="vi-VN" dirty="0" smtClean="0">
-                <a:solidFill>
-                  <a:schemeClr val="tx1"/>
-                </a:solidFill>
-                <a:latin typeface="Verdana (Body)"/>
-              </a:rPr>
-              <a:t>Pro:</a:t>
-            </a:r>
-            <a:r>
-              <a:rPr lang="en-US" dirty="0" smtClean="0">
-                <a:solidFill>
-                  <a:schemeClr val="tx1"/>
-                </a:solidFill>
-                <a:latin typeface="Verdana (Body)"/>
+              <a:rPr lang="en-US" dirty="0" smtClean="0">
+                <a:solidFill>
+                  <a:schemeClr val="tx1"/>
+                </a:solidFill>
+              </a:rPr>
+              <a:t>+Python</a:t>
+            </a:r>
+          </a:p>
+          <a:p>
+            <a:pPr marL="45720" indent="0">
+              <a:buNone/>
+            </a:pPr>
+            <a:r>
+              <a:rPr lang="en-US" dirty="0" smtClean="0">
+                <a:solidFill>
+                  <a:schemeClr val="tx1"/>
+                </a:solidFill>
+              </a:rPr>
+              <a:t>+ Installed  WSL on OS. Ref: </a:t>
+            </a:r>
+            <a:r>
+              <a:rPr lang="en-US" dirty="0" smtClean="0">
+                <a:solidFill>
+                  <a:schemeClr val="tx1"/>
+                </a:solidFill>
+                <a:hlinkClick r:id="rId2"/>
+              </a:rPr>
+              <a:t>Link 1</a:t>
+            </a:r>
+            <a:r>
+              <a:rPr lang="en-US" dirty="0" smtClean="0">
+                <a:solidFill>
+                  <a:schemeClr val="tx1"/>
+                </a:solidFill>
+              </a:rPr>
+              <a:t>,</a:t>
+            </a:r>
+            <a:r>
+              <a:rPr lang="en-US" dirty="0" smtClean="0">
+                <a:solidFill>
+                  <a:schemeClr val="tx1"/>
+                </a:solidFill>
+                <a:hlinkClick r:id="rId3"/>
+              </a:rPr>
+              <a:t>link 2</a:t>
+            </a:r>
+            <a:endParaRPr lang="en-US" dirty="0" smtClean="0">
+              <a:solidFill>
+                <a:schemeClr val="tx1"/>
+              </a:solidFill>
+            </a:endParaRPr>
+          </a:p>
+          <a:p>
+            <a:pPr marL="45720" indent="0">
+              <a:buNone/>
+            </a:pPr>
+            <a:r>
+              <a:rPr lang="en-US" dirty="0" smtClean="0">
+                <a:solidFill>
+                  <a:schemeClr val="tx1"/>
+                </a:solidFill>
+              </a:rPr>
+              <a:t>+ Aws toolkit plugin : </a:t>
+            </a:r>
+            <a:r>
+              <a:rPr lang="en-US" dirty="0" err="1" smtClean="0">
+                <a:solidFill>
+                  <a:schemeClr val="tx1"/>
+                </a:solidFill>
+                <a:hlinkClick r:id="rId4"/>
+              </a:rPr>
+              <a:t>guide</a:t>
+            </a:r>
+            <a:r>
+              <a:rPr lang="en-US" dirty="0" err="1" smtClean="0">
+                <a:solidFill>
+                  <a:schemeClr val="tx1"/>
+                </a:solidFill>
+              </a:rPr>
+              <a:t>,</a:t>
+            </a:r>
+            <a:r>
+              <a:rPr lang="en-US" dirty="0" err="1" smtClean="0">
+                <a:solidFill>
+                  <a:schemeClr val="tx1"/>
+                </a:solidFill>
+                <a:hlinkClick r:id="rId5"/>
+              </a:rPr>
+              <a:t>create</a:t>
+            </a:r>
+            <a:r>
+              <a:rPr lang="en-US" dirty="0" smtClean="0">
+                <a:solidFill>
+                  <a:schemeClr val="tx1"/>
+                </a:solidFill>
+                <a:hlinkClick r:id="rId5"/>
+              </a:rPr>
+              <a:t> SAM app</a:t>
+            </a:r>
+            <a:endParaRPr lang="en-US" dirty="0" smtClean="0">
+              <a:solidFill>
+                <a:schemeClr val="tx1"/>
+              </a:solidFill>
+            </a:endParaRPr>
+          </a:p>
+          <a:p>
+            <a:pPr marL="45720" indent="0">
+              <a:buNone/>
+            </a:pPr>
+            <a:r>
+              <a:rPr lang="en-US" dirty="0" smtClean="0">
+                <a:solidFill>
+                  <a:schemeClr val="tx1"/>
+                </a:solidFill>
+              </a:rPr>
+              <a:t>Command to run:</a:t>
+            </a:r>
+          </a:p>
+          <a:p>
+            <a:pPr lvl="1">
+              <a:buFont typeface="Arial" panose="020B0604020202020204" pitchFamily="34" charset="0"/>
+              <a:buChar char="•"/>
+            </a:pPr>
+            <a:r>
+              <a:rPr lang="en-US" dirty="0" smtClean="0">
+                <a:solidFill>
+                  <a:schemeClr val="tx1"/>
+                </a:solidFill>
+              </a:rPr>
+              <a:t> Build container: SAM </a:t>
+            </a:r>
+            <a:r>
+              <a:rPr lang="en-US" dirty="0">
+                <a:solidFill>
+                  <a:schemeClr val="tx1"/>
+                </a:solidFill>
+              </a:rPr>
+              <a:t>build --</a:t>
+            </a:r>
+            <a:r>
+              <a:rPr lang="en-US" dirty="0" smtClean="0">
+                <a:solidFill>
+                  <a:schemeClr val="tx1"/>
+                </a:solidFill>
+              </a:rPr>
+              <a:t>use-container </a:t>
+            </a:r>
+          </a:p>
+          <a:p>
+            <a:pPr lvl="1">
+              <a:buFont typeface="Arial" panose="020B0604020202020204" pitchFamily="34" charset="0"/>
+              <a:buChar char="•"/>
+            </a:pPr>
+            <a:r>
+              <a:rPr lang="en-US" dirty="0">
+                <a:solidFill>
+                  <a:schemeClr val="tx1"/>
+                </a:solidFill>
+              </a:rPr>
+              <a:t> M</a:t>
+            </a:r>
+            <a:r>
+              <a:rPr lang="en-US" dirty="0" smtClean="0">
+                <a:solidFill>
+                  <a:schemeClr val="tx1"/>
+                </a:solidFill>
+              </a:rPr>
+              <a:t>ount and run container:  SAM </a:t>
+            </a:r>
+            <a:r>
+              <a:rPr lang="en-US" dirty="0">
+                <a:solidFill>
+                  <a:schemeClr val="tx1"/>
+                </a:solidFill>
+              </a:rPr>
+              <a:t>local start-</a:t>
+            </a:r>
+            <a:r>
+              <a:rPr lang="en-US" dirty="0" err="1">
+                <a:solidFill>
+                  <a:schemeClr val="tx1"/>
+                </a:solidFill>
+              </a:rPr>
+              <a:t>api</a:t>
+            </a:r>
+            <a:r>
+              <a:rPr lang="en-US" dirty="0">
+                <a:solidFill>
+                  <a:schemeClr val="tx1"/>
+                </a:solidFill>
+              </a:rPr>
+              <a:t> --host localhost --port </a:t>
+            </a:r>
+            <a:r>
+              <a:rPr lang="en-US" dirty="0" smtClean="0">
+                <a:solidFill>
+                  <a:schemeClr val="tx1"/>
+                </a:solidFill>
+              </a:rPr>
+              <a:t>123</a:t>
+            </a:r>
+          </a:p>
+          <a:p>
+            <a:pPr lvl="1">
+              <a:buFont typeface="Arial" panose="020B0604020202020204" pitchFamily="34" charset="0"/>
+              <a:buChar char="•"/>
+            </a:pPr>
+            <a:r>
+              <a:rPr lang="en-US" dirty="0" smtClean="0">
+                <a:solidFill>
+                  <a:schemeClr val="tx1"/>
+                </a:solidFill>
+              </a:rPr>
+              <a:t> Use </a:t>
+            </a:r>
+            <a:r>
+              <a:rPr lang="en-US" dirty="0" err="1" smtClean="0">
+                <a:solidFill>
+                  <a:schemeClr val="tx1"/>
+                </a:solidFill>
+                <a:hlinkClick r:id="rId6"/>
+              </a:rPr>
+              <a:t>ngrok</a:t>
+            </a:r>
+            <a:r>
+              <a:rPr lang="en-US" dirty="0" smtClean="0">
+                <a:solidFill>
+                  <a:schemeClr val="tx1"/>
+                </a:solidFill>
+              </a:rPr>
+              <a:t> to publish port 123 </a:t>
+            </a:r>
+            <a:r>
+              <a:rPr lang="en-US" dirty="0">
+                <a:solidFill>
+                  <a:schemeClr val="tx1"/>
+                </a:solidFill>
               </a:rPr>
               <a:t> </a:t>
             </a:r>
-          </a:p>
-          <a:p>
-            <a:r>
-              <a:rPr lang="en-US" dirty="0" smtClean="0">
-                <a:solidFill>
-                  <a:schemeClr val="tx1"/>
-                </a:solidFill>
-                <a:latin typeface="Verdana (Body)"/>
-              </a:rPr>
-              <a:t>Require small budget</a:t>
-            </a:r>
-          </a:p>
-          <a:p>
-            <a:r>
-              <a:rPr lang="en-US" dirty="0" smtClean="0">
-                <a:solidFill>
-                  <a:schemeClr val="tx1"/>
-                </a:solidFill>
-                <a:latin typeface="Verdana (Body)"/>
-              </a:rPr>
-              <a:t>Fast to dev/deploy in short term</a:t>
+            <a:r>
+              <a:rPr lang="en-US" dirty="0" smtClean="0">
+                <a:solidFill>
+                  <a:schemeClr val="tx1"/>
+                </a:solidFill>
+              </a:rPr>
+              <a:t>to slack app in an hour.</a:t>
             </a:r>
             <a:endParaRPr lang="en-US" dirty="0">
               <a:solidFill>
                 <a:schemeClr val="tx1"/>
               </a:solidFill>
-              <a:latin typeface="Verdana (Body)"/>
-            </a:endParaRPr>
-          </a:p>
-          <a:p>
-            <a:pPr marL="45720" indent="0">
-              <a:buNone/>
-            </a:pPr>
-            <a:r>
-              <a:rPr lang="vi-VN" dirty="0" smtClean="0">
-                <a:solidFill>
-                  <a:schemeClr val="tx1"/>
-                </a:solidFill>
-                <a:latin typeface="Verdana (Body)"/>
-              </a:rPr>
-              <a:t>Con:</a:t>
-            </a:r>
-            <a:r>
-              <a:rPr lang="en-US" dirty="0" smtClean="0">
-                <a:solidFill>
-                  <a:schemeClr val="tx1"/>
-                </a:solidFill>
-                <a:latin typeface="Verdana (Body)"/>
-              </a:rPr>
-              <a:t> </a:t>
-            </a:r>
-          </a:p>
-          <a:p>
-            <a:r>
-              <a:rPr lang="en-US" dirty="0">
-                <a:solidFill>
-                  <a:schemeClr val="tx1"/>
-                </a:solidFill>
-                <a:latin typeface="Verdana (Body)"/>
-              </a:rPr>
-              <a:t>H</a:t>
-            </a:r>
-            <a:r>
-              <a:rPr lang="en-US" dirty="0" smtClean="0">
-                <a:solidFill>
-                  <a:schemeClr val="tx1"/>
-                </a:solidFill>
-                <a:latin typeface="Verdana (Body)"/>
-              </a:rPr>
-              <a:t>ard to develop in long term due to distribute project to places on AWS</a:t>
-            </a:r>
-            <a:r>
-              <a:rPr lang="vi-VN" dirty="0">
-                <a:solidFill>
-                  <a:schemeClr val="tx1"/>
-                </a:solidFill>
-                <a:latin typeface="Verdana (Body)"/>
-              </a:rPr>
-              <a:t/>
-            </a:r>
-            <a:br>
-              <a:rPr lang="vi-VN" dirty="0">
-                <a:solidFill>
-                  <a:schemeClr val="tx1"/>
-                </a:solidFill>
-                <a:latin typeface="Verdana (Body)"/>
-              </a:rPr>
-            </a:br>
-            <a:endParaRPr lang="vi-VN" dirty="0">
-              <a:solidFill>
-                <a:schemeClr val="tx1"/>
-              </a:solidFill>
-              <a:latin typeface="Verdana (Body)"/>
             </a:endParaRPr>
           </a:p>
         </p:txBody>
@@ -3676,7 +3838,7 @@
     </p:spTree>
     <p:extLst>
       <p:ext uri="{BB962C8B-B14F-4D97-AF65-F5344CB8AC3E}">
-        <p14:creationId xmlns:p14="http://schemas.microsoft.com/office/powerpoint/2010/main" val="2407199505"/>
+        <p14:creationId xmlns:p14="http://schemas.microsoft.com/office/powerpoint/2010/main" val="2116741702"/>
       </p:ext>
     </p:extLst>
   </p:cSld>
@@ -3767,14 +3929,37 @@
               <a:t>Solution </a:t>
             </a:r>
             <a:r>
-              <a:rPr lang="vi-VN" dirty="0">
+              <a:rPr lang="en-US" dirty="0">
                 <a:solidFill>
                   <a:schemeClr val="tx1"/>
                 </a:solidFill>
                 <a:latin typeface="Verdana (Body)"/>
               </a:rPr>
-              <a:t>1: </a:t>
-            </a:r>
+              <a:t>2</a:t>
+            </a:r>
+            <a:r>
+              <a:rPr lang="vi-VN" dirty="0" smtClean="0">
+                <a:solidFill>
+                  <a:schemeClr val="tx1"/>
+                </a:solidFill>
+                <a:latin typeface="Verdana (Body)"/>
+              </a:rPr>
+              <a:t>: </a:t>
+            </a:r>
+            <a:r>
+              <a:rPr lang="en-US" dirty="0" smtClean="0">
+                <a:solidFill>
+                  <a:schemeClr val="tx1"/>
+                </a:solidFill>
+                <a:latin typeface="Verdana (Body)"/>
+              </a:rPr>
+              <a:t> </a:t>
+            </a:r>
+          </a:p>
+          <a:p>
+            <a:pPr marL="45720" indent="0">
+              <a:buNone/>
+            </a:pPr>
             <a:r>
               <a:rPr lang="en-US" dirty="0">
                 <a:solidFill>
@@ -3782,7 +3967,7 @@
                 </a:solidFill>
                 <a:latin typeface="Verdana (Body)"/>
               </a:rPr>
-              <a:t> </a:t>
+              <a:t>	</a:t>
             </a:r>
             <a:r>
               <a:rPr lang="en-US" dirty="0" smtClean="0">
@@ -3791,7 +3976,16 @@
                 </a:solidFill>
                 <a:latin typeface="Verdana (Body)"/>
               </a:rPr>
-              <a:t>Move to </a:t>
+              <a:t>Move </a:t>
+            </a:r>
+            <a:r>
+              <a:rPr lang="en-US" dirty="0" smtClean="0">
+                <a:solidFill>
+                  <a:schemeClr val="tx1"/>
+                </a:solidFill>
+                <a:latin typeface="Verdana (Body)"/>
+              </a:rPr>
+              <a:t>to </a:t>
             </a:r>
             <a:r>
               <a:rPr lang="en-US" b="1" dirty="0" smtClean="0">
@@ -3840,31 +4034,40 @@
               </a:rPr>
               <a:t>:</a:t>
             </a:r>
-            <a:r>
-              <a:rPr lang="vi-VN" dirty="0">
+            <a:endParaRPr lang="en-US" dirty="0" smtClean="0">
+              <a:solidFill>
+                <a:schemeClr val="tx1"/>
+              </a:solidFill>
+              <a:latin typeface="Verdana (Body)"/>
+            </a:endParaRPr>
+          </a:p>
+          <a:p>
+            <a:r>
+              <a:rPr lang="en-US" dirty="0" smtClean="0">
                 <a:solidFill>
                   <a:schemeClr val="tx1"/>
                 </a:solidFill>
                 <a:latin typeface="Verdana (Body)"/>
               </a:rPr>
-              <a:t/>
-            </a:r>
-            <a:br>
-              <a:rPr lang="vi-VN" dirty="0">
+              <a:t>Easily </a:t>
+            </a:r>
+            <a:r>
+              <a:rPr lang="en-US" dirty="0" smtClean="0">
                 <a:solidFill>
                   <a:schemeClr val="tx1"/>
                 </a:solidFill>
                 <a:latin typeface="Verdana (Body)"/>
               </a:rPr>
-            </a:br>
-            <a:r>
-              <a:rPr lang="vi-VN" dirty="0">
+              <a:t>develop </a:t>
+            </a:r>
+            <a:r>
+              <a:rPr lang="en-US" dirty="0">
                 <a:solidFill>
                   <a:schemeClr val="tx1"/>
                 </a:solidFill>
                 <a:latin typeface="Verdana (Body)"/>
               </a:rPr>
-              <a:t>- </a:t>
+              <a:t>project as ease in short and long </a:t>
             </a:r>
             <a:r>
               <a:rPr lang="en-US" dirty="0" smtClean="0">
@@ -3873,8 +4076,36 @@
                 </a:solidFill>
                 <a:latin typeface="Verdana (Body)"/>
               </a:rPr>
-              <a:t>Easily develop </a:t>
-            </a:r>
+              <a:t>term.</a:t>
+            </a:r>
+            <a:endParaRPr lang="en-US" dirty="0">
+              <a:solidFill>
+                <a:schemeClr val="tx1"/>
+              </a:solidFill>
+              <a:latin typeface="Verdana (Body)"/>
+            </a:endParaRPr>
+          </a:p>
+          <a:p>
+            <a:pPr marL="45720" indent="0">
+              <a:buNone/>
+            </a:pPr>
+            <a:r>
+              <a:rPr lang="vi-VN" dirty="0" smtClean="0">
+                <a:solidFill>
+                  <a:schemeClr val="tx1"/>
+                </a:solidFill>
+                <a:latin typeface="Verdana (Body)"/>
+              </a:rPr>
+              <a:t>Con:</a:t>
+            </a:r>
+            <a:endParaRPr lang="en-US" dirty="0" smtClean="0">
+              <a:solidFill>
+                <a:schemeClr val="tx1"/>
+              </a:solidFill>
+              <a:latin typeface="Verdana (Body)"/>
+            </a:endParaRPr>
+          </a:p>
+          <a:p>
             <a:r>
               <a:rPr lang="en-US" dirty="0">
                 <a:solidFill>
@@ -3882,60 +4113,18 @@
                 </a:solidFill>
                 <a:latin typeface="Verdana (Body)"/>
               </a:rPr>
-              <a:t>project as ease in short and long term.</a:t>
-            </a:r>
-            <a:r>
-              <a:rPr lang="vi-VN" dirty="0">
-                <a:solidFill>
-                  <a:schemeClr val="tx1"/>
-                </a:solidFill>
-                <a:latin typeface="Verdana (Body)"/>
-              </a:rPr>
-              <a:t/>
-            </a:r>
-            <a:br>
-              <a:rPr lang="vi-VN" dirty="0">
-                <a:solidFill>
-                  <a:schemeClr val="tx1"/>
-                </a:solidFill>
-                <a:latin typeface="Verdana (Body)"/>
-              </a:rPr>
-            </a:br>
-            <a:r>
-              <a:rPr lang="vi-VN" dirty="0">
-                <a:solidFill>
-                  <a:schemeClr val="tx1"/>
-                </a:solidFill>
-                <a:latin typeface="Verdana (Body)"/>
-              </a:rPr>
-              <a:t>Con:</a:t>
-            </a:r>
-            <a:br>
-              <a:rPr lang="vi-VN" dirty="0">
-                <a:solidFill>
-                  <a:schemeClr val="tx1"/>
-                </a:solidFill>
-                <a:latin typeface="Verdana (Body)"/>
-              </a:rPr>
-            </a:br>
-            <a:r>
-              <a:rPr lang="vi-VN" dirty="0">
-                <a:solidFill>
-                  <a:schemeClr val="tx1"/>
-                </a:solidFill>
-                <a:latin typeface="Verdana (Body)"/>
-              </a:rPr>
-              <a:t>- </a:t>
-            </a:r>
-            <a:r>
-              <a:rPr lang="en-US" dirty="0" smtClean="0">
-                <a:solidFill>
-                  <a:schemeClr val="tx1"/>
-                </a:solidFill>
-                <a:latin typeface="Verdana (Body)"/>
-              </a:rPr>
               <a:t>Adding budget for running EC2</a:t>
             </a:r>
+            <a:endParaRPr lang="en-US" dirty="0">
+              <a:solidFill>
+                <a:schemeClr val="tx1"/>
+              </a:solidFill>
+            </a:endParaRPr>
+          </a:p>
+          <a:p>
+            <a:pPr marL="45720" indent="0">
+              <a:buNone/>
+            </a:pPr>
             <a:endParaRPr lang="en-US" dirty="0">
               <a:solidFill>
                 <a:schemeClr val="tx1"/>
@@ -7909,131 +8098,29 @@
               <a:buNone/>
             </a:pPr>
             <a:r>
-              <a:rPr lang="en-US" dirty="0" err="1" smtClean="0">
+              <a:rPr lang="en-US" dirty="0" smtClean="0">
                 <a:solidFill>
                   <a:schemeClr val="tx1"/>
                 </a:solidFill>
                 <a:latin typeface="Verdana (Body)"/>
               </a:rPr>
-              <a:t>Có</a:t>
-            </a:r>
-            <a:r>
-              <a:rPr lang="en-US" dirty="0" smtClean="0">
+              <a:t>There are 2 paths </a:t>
+            </a:r>
+            <a:r>
+              <a:rPr lang="en-US" smtClean="0">
                 <a:solidFill>
                   <a:schemeClr val="tx1"/>
                 </a:solidFill>
                 <a:latin typeface="Verdana (Body)"/>
               </a:rPr>
-              <a:t> 2 </a:t>
-            </a:r>
-            <a:r>
-              <a:rPr lang="en-US" dirty="0" err="1" smtClean="0">
-                <a:solidFill>
-                  <a:schemeClr val="tx1"/>
-                </a:solidFill>
-                <a:latin typeface="Verdana (Body)"/>
-              </a:rPr>
-              <a:t>hướng</a:t>
-            </a:r>
-            <a:r>
-              <a:rPr lang="en-US" dirty="0" smtClean="0">
-                <a:solidFill>
-                  <a:schemeClr val="tx1"/>
-                </a:solidFill>
-                <a:latin typeface="Verdana (Body)"/>
-              </a:rPr>
-              <a:t> </a:t>
-            </a:r>
-            <a:r>
-              <a:rPr lang="en-US" dirty="0" err="1" smtClean="0">
-                <a:solidFill>
-                  <a:schemeClr val="tx1"/>
-                </a:solidFill>
-                <a:latin typeface="Verdana (Body)"/>
-              </a:rPr>
-              <a:t>để</a:t>
-            </a:r>
-            <a:r>
-              <a:rPr lang="en-US" dirty="0" smtClean="0">
-                <a:solidFill>
-                  <a:schemeClr val="tx1"/>
-                </a:solidFill>
-                <a:latin typeface="Verdana (Body)"/>
-              </a:rPr>
-              <a:t> </a:t>
-            </a:r>
-            <a:r>
-              <a:rPr lang="en-US" dirty="0" err="1" smtClean="0">
-                <a:solidFill>
-                  <a:schemeClr val="tx1"/>
-                </a:solidFill>
-                <a:latin typeface="Verdana (Body)"/>
-              </a:rPr>
-              <a:t>giải</a:t>
-            </a:r>
-            <a:r>
-              <a:rPr lang="en-US" dirty="0" smtClean="0">
-                <a:solidFill>
-                  <a:schemeClr val="tx1"/>
-                </a:solidFill>
-                <a:latin typeface="Verdana (Body)"/>
-              </a:rPr>
-              <a:t> </a:t>
-            </a:r>
-            <a:r>
-              <a:rPr lang="en-US" dirty="0" err="1" smtClean="0">
-                <a:solidFill>
-                  <a:schemeClr val="tx1"/>
-                </a:solidFill>
-                <a:latin typeface="Verdana (Body)"/>
-              </a:rPr>
-              <a:t>quyết</a:t>
-            </a:r>
-            <a:r>
-              <a:rPr lang="en-US" dirty="0" smtClean="0">
-                <a:solidFill>
-                  <a:schemeClr val="tx1"/>
-                </a:solidFill>
-                <a:latin typeface="Verdana (Body)"/>
-              </a:rPr>
-              <a:t> </a:t>
-            </a:r>
-            <a:r>
-              <a:rPr lang="en-US" dirty="0" err="1" smtClean="0">
-                <a:solidFill>
-                  <a:schemeClr val="tx1"/>
-                </a:solidFill>
-                <a:latin typeface="Verdana (Body)"/>
-              </a:rPr>
-              <a:t>vấn</a:t>
-            </a:r>
-            <a:r>
-              <a:rPr lang="en-US" dirty="0" smtClean="0">
-                <a:solidFill>
-                  <a:schemeClr val="tx1"/>
-                </a:solidFill>
-                <a:latin typeface="Verdana (Body)"/>
-              </a:rPr>
-              <a:t> </a:t>
-            </a:r>
-            <a:r>
-              <a:rPr lang="en-US" dirty="0" err="1" smtClean="0">
-                <a:solidFill>
-                  <a:schemeClr val="tx1"/>
-                </a:solidFill>
-                <a:latin typeface="Verdana (Body)"/>
-              </a:rPr>
-              <a:t>đề</a:t>
-            </a:r>
-            <a:r>
-              <a:rPr lang="en-US" dirty="0" smtClean="0">
-                <a:solidFill>
-                  <a:schemeClr val="tx1"/>
-                </a:solidFill>
-                <a:latin typeface="Verdana (Body)"/>
-              </a:rPr>
-              <a:t>:</a:t>
-            </a:r>
+              <a:t>for developing: </a:t>
+            </a:r>
+            <a:endParaRPr lang="en-US" dirty="0" smtClean="0">
+              <a:solidFill>
+                <a:schemeClr val="tx1"/>
+              </a:solidFill>
+              <a:latin typeface="Verdana (Body)"/>
+            </a:endParaRPr>
           </a:p>
           <a:p>
             <a:r>
@@ -8649,20 +8736,16 @@
           <a:lstStyle/>
           <a:p>
             <a:r>
-              <a:rPr lang="en-US" dirty="0"/>
-              <a:t>Developing Path: Directly  (</a:t>
-            </a:r>
-            <a:r>
               <a:rPr lang="en-US" dirty="0" smtClean="0"/>
-              <a:t>Dev)</a:t>
-            </a:r>
-            <a:endParaRPr lang="en-US" dirty="0"/>
-          </a:p>
-        </p:txBody>
-      </p:sp>
-      <p:sp>
-        <p:nvSpPr>
-          <p:cNvPr id="4" name="Content Placeholder 3"/>
+              <a:t>Lambda’s mechanism</a:t>
+            </a:r>
+            <a:endParaRPr lang="en-US" dirty="0"/>
+          </a:p>
+        </p:txBody>
+      </p:sp>
+      <p:sp>
+        <p:nvSpPr>
+          <p:cNvPr id="3" name="Content Placeholder 2"/>
           <p:cNvSpPr>
             <a:spLocks noGrp="1"/>
           </p:cNvSpPr>
@@ -8672,9 +8755,7 @@
         </p:nvSpPr>
         <p:spPr/>
         <p:txBody>
-          <a:bodyPr>
-            <a:normAutofit lnSpcReduction="10000"/>
-          </a:bodyPr>
+          <a:bodyPr/>
           <a:lstStyle/>
           <a:p>
             <a:pPr marL="45720" indent="0">
@@ -8685,32 +8766,45 @@
                 <a:solidFill>
                   <a:schemeClr val="tx1"/>
                 </a:solidFill>
-              </a:rPr>
-              <a:t>Environment: Python </a:t>
-            </a:r>
-            <a:r>
-              <a:rPr lang="en-US" dirty="0">
-                <a:solidFill>
-                  <a:schemeClr val="tx1"/>
-                </a:solidFill>
-              </a:rPr>
-              <a:t>lambda on </a:t>
-            </a:r>
-            <a:r>
-              <a:rPr lang="en-US" dirty="0" err="1" smtClean="0">
-                <a:solidFill>
-                  <a:schemeClr val="tx1"/>
-                </a:solidFill>
-              </a:rPr>
-              <a:t>VScode</a:t>
-            </a:r>
-            <a:r>
-              <a:rPr lang="en-US" dirty="0" smtClean="0">
-                <a:solidFill>
-                  <a:schemeClr val="tx1"/>
-                </a:solidFill>
-              </a:rPr>
-              <a:t>	</a:t>
+                <a:latin typeface="Verdana (Body)"/>
+              </a:rPr>
+              <a:t>Lambda will </a:t>
+            </a:r>
+            <a:r>
+              <a:rPr lang="vi-VN" dirty="0" smtClean="0">
+                <a:solidFill>
+                  <a:schemeClr val="tx1"/>
+                </a:solidFill>
+                <a:latin typeface="Verdana (Body)"/>
+              </a:rPr>
+              <a:t>sleep/suspend/killed </a:t>
+            </a:r>
+            <a:r>
+              <a:rPr lang="en-US" dirty="0" smtClean="0">
+                <a:solidFill>
+                  <a:schemeClr val="tx1"/>
+                </a:solidFill>
+                <a:latin typeface="Verdana (Body)"/>
+              </a:rPr>
+              <a:t>current thread  and its childlike thread after returning </a:t>
+            </a:r>
+            <a:r>
+              <a:rPr lang="vi-VN" dirty="0" smtClean="0">
+                <a:solidFill>
+                  <a:schemeClr val="tx1"/>
+                </a:solidFill>
+                <a:latin typeface="Verdana (Body)"/>
+              </a:rPr>
+              <a:t>response</a:t>
+            </a:r>
+            <a:r>
+              <a:rPr lang="en-US" dirty="0" smtClean="0">
+                <a:solidFill>
+                  <a:schemeClr val="tx1"/>
+                </a:solidFill>
+                <a:latin typeface="Verdana (Body)"/>
+              </a:rPr>
+              <a:t> in most case.</a:t>
             </a:r>
           </a:p>
           <a:p>
@@ -8722,34 +8816,20 @@
                 <a:solidFill>
                   <a:schemeClr val="tx1"/>
                 </a:solidFill>
-              </a:rPr>
-              <a:t>Requirement:</a:t>
+                <a:latin typeface="Verdana (Body)"/>
+              </a:rPr>
+              <a:t>As result, creating childlike thread to response to Slack bot is unstable.</a:t>
             </a:r>
           </a:p>
           <a:p>
             <a:pPr marL="45720" indent="0">
               <a:buNone/>
             </a:pPr>
-            <a:r>
-              <a:rPr lang="en-US" dirty="0" smtClean="0">
-                <a:solidFill>
-                  <a:schemeClr val="tx1"/>
-                </a:solidFill>
-              </a:rPr>
-              <a:t>+ </a:t>
-            </a:r>
-            <a:r>
-              <a:rPr lang="en-US" dirty="0" err="1" smtClean="0">
-                <a:solidFill>
-                  <a:schemeClr val="tx1"/>
-                </a:solidFill>
-              </a:rPr>
-              <a:t>Vscode</a:t>
-            </a:r>
             <a:endParaRPr lang="en-US" dirty="0" smtClean="0">
               <a:solidFill>
                 <a:schemeClr val="tx1"/>
               </a:solidFill>
+              <a:latin typeface="Verdana (Body)"/>
             </a:endParaRPr>
           </a:p>
           <a:p>
@@ -8761,253 +8841,22 @@
                 <a:solidFill>
                   <a:schemeClr val="tx1"/>
                 </a:solidFill>
-              </a:rPr>
-              <a:t>+Python</a:t>
-            </a:r>
-          </a:p>
-          <a:p>
-            <a:pPr marL="45720" indent="0">
-              <a:buNone/>
-            </a:pPr>
-            <a:r>
-              <a:rPr lang="en-US" dirty="0" smtClean="0">
-                <a:solidFill>
-                  <a:schemeClr val="tx1"/>
-                </a:solidFill>
-              </a:rPr>
-              <a:t>+ Installed  WSL on OS. Ref: </a:t>
-            </a:r>
-            <a:r>
-              <a:rPr lang="en-US" dirty="0" smtClean="0">
-                <a:solidFill>
-                  <a:schemeClr val="tx1"/>
-                </a:solidFill>
-                <a:hlinkClick r:id="rId2"/>
-              </a:rPr>
-              <a:t>Link 1</a:t>
-            </a:r>
-            <a:r>
-              <a:rPr lang="en-US" dirty="0" smtClean="0">
-                <a:solidFill>
-                  <a:schemeClr val="tx1"/>
-                </a:solidFill>
-              </a:rPr>
-              <a:t>,</a:t>
-            </a:r>
-            <a:r>
-              <a:rPr lang="en-US" dirty="0" smtClean="0">
-                <a:solidFill>
-                  <a:schemeClr val="tx1"/>
-                </a:solidFill>
-                <a:hlinkClick r:id="rId3"/>
-              </a:rPr>
-              <a:t>link 2</a:t>
-            </a:r>
-            <a:endParaRPr lang="en-US" dirty="0" smtClean="0">
-              <a:solidFill>
-                <a:schemeClr val="tx1"/>
-              </a:solidFill>
-            </a:endParaRPr>
-          </a:p>
-          <a:p>
-            <a:pPr marL="45720" indent="0">
-              <a:buNone/>
-            </a:pPr>
-            <a:r>
-              <a:rPr lang="en-US" dirty="0" smtClean="0">
-                <a:solidFill>
-                  <a:schemeClr val="tx1"/>
-                </a:solidFill>
-              </a:rPr>
-              <a:t>+ Aws toolkit plugin : </a:t>
-            </a:r>
-            <a:r>
-              <a:rPr lang="en-US" dirty="0" err="1" smtClean="0">
-                <a:solidFill>
-                  <a:schemeClr val="tx1"/>
-                </a:solidFill>
-                <a:hlinkClick r:id="rId4"/>
-              </a:rPr>
-              <a:t>guide</a:t>
-            </a:r>
-            <a:r>
-              <a:rPr lang="en-US" dirty="0" err="1" smtClean="0">
-                <a:solidFill>
-                  <a:schemeClr val="tx1"/>
-                </a:solidFill>
-              </a:rPr>
-              <a:t>,</a:t>
-            </a:r>
-            <a:r>
-              <a:rPr lang="en-US" dirty="0" err="1" smtClean="0">
-                <a:solidFill>
-                  <a:schemeClr val="tx1"/>
-                </a:solidFill>
-                <a:hlinkClick r:id="rId5"/>
-              </a:rPr>
-              <a:t>create</a:t>
-            </a:r>
-            <a:r>
-              <a:rPr lang="en-US" dirty="0" smtClean="0">
-                <a:solidFill>
-                  <a:schemeClr val="tx1"/>
-                </a:solidFill>
-                <a:hlinkClick r:id="rId5"/>
-              </a:rPr>
-              <a:t> SAM app</a:t>
-            </a:r>
-            <a:endParaRPr lang="en-US" dirty="0" smtClean="0">
-              <a:solidFill>
-                <a:schemeClr val="tx1"/>
-              </a:solidFill>
-            </a:endParaRPr>
-          </a:p>
-          <a:p>
-            <a:pPr marL="45720" indent="0">
-              <a:buNone/>
-            </a:pPr>
-            <a:r>
-              <a:rPr lang="en-US" dirty="0" smtClean="0">
-                <a:solidFill>
-                  <a:schemeClr val="tx1"/>
-                </a:solidFill>
-              </a:rPr>
-              <a:t>Command to run:</a:t>
-            </a:r>
-          </a:p>
-          <a:p>
-            <a:pPr lvl="1">
-              <a:buFont typeface="Arial" panose="020B0604020202020204" pitchFamily="34" charset="0"/>
-              <a:buChar char="•"/>
-            </a:pPr>
-            <a:r>
-              <a:rPr lang="en-US" dirty="0" smtClean="0">
-                <a:solidFill>
-                  <a:schemeClr val="tx1"/>
-                </a:solidFill>
-              </a:rPr>
-              <a:t> Build container: SAM </a:t>
-            </a:r>
-            <a:r>
-              <a:rPr lang="en-US" dirty="0">
-                <a:solidFill>
-                  <a:schemeClr val="tx1"/>
-                </a:solidFill>
-              </a:rPr>
-              <a:t>build --</a:t>
-            </a:r>
-            <a:r>
-              <a:rPr lang="en-US" dirty="0" smtClean="0">
-                <a:solidFill>
-                  <a:schemeClr val="tx1"/>
-                </a:solidFill>
-              </a:rPr>
-              <a:t>use-container </a:t>
-            </a:r>
-          </a:p>
-          <a:p>
-            <a:pPr lvl="1">
-              <a:buFont typeface="Arial" panose="020B0604020202020204" pitchFamily="34" charset="0"/>
-              <a:buChar char="•"/>
-            </a:pPr>
-            <a:r>
-              <a:rPr lang="en-US" dirty="0">
-                <a:solidFill>
-                  <a:schemeClr val="tx1"/>
-                </a:solidFill>
-              </a:rPr>
-              <a:t> M</a:t>
-            </a:r>
-            <a:r>
-              <a:rPr lang="en-US" dirty="0" smtClean="0">
-                <a:solidFill>
-                  <a:schemeClr val="tx1"/>
-                </a:solidFill>
-              </a:rPr>
-              <a:t>ount and run container:  SAM </a:t>
-            </a:r>
-            <a:r>
-              <a:rPr lang="en-US" dirty="0">
-                <a:solidFill>
-                  <a:schemeClr val="tx1"/>
-                </a:solidFill>
-              </a:rPr>
-              <a:t>local start-</a:t>
-            </a:r>
-            <a:r>
-              <a:rPr lang="en-US" dirty="0" err="1">
-                <a:solidFill>
-                  <a:schemeClr val="tx1"/>
-                </a:solidFill>
-              </a:rPr>
-              <a:t>api</a:t>
-            </a:r>
-            <a:r>
-              <a:rPr lang="en-US" dirty="0">
-                <a:solidFill>
-                  <a:schemeClr val="tx1"/>
-                </a:solidFill>
-              </a:rPr>
-              <a:t> --host localhost --port </a:t>
-            </a:r>
-            <a:r>
-              <a:rPr lang="en-US" dirty="0" smtClean="0">
-                <a:solidFill>
-                  <a:schemeClr val="tx1"/>
-                </a:solidFill>
-              </a:rPr>
-              <a:t>123</a:t>
-            </a:r>
-          </a:p>
-          <a:p>
-            <a:pPr lvl="1">
-              <a:buFont typeface="Arial" panose="020B0604020202020204" pitchFamily="34" charset="0"/>
-              <a:buChar char="•"/>
-            </a:pPr>
-            <a:r>
-              <a:rPr lang="en-US" dirty="0" smtClean="0">
-                <a:solidFill>
-                  <a:schemeClr val="tx1"/>
-                </a:solidFill>
-              </a:rPr>
-              <a:t> Use </a:t>
-            </a:r>
-            <a:r>
-              <a:rPr lang="en-US" dirty="0" err="1" smtClean="0">
-                <a:solidFill>
-                  <a:schemeClr val="tx1"/>
-                </a:solidFill>
-                <a:hlinkClick r:id="rId6"/>
-              </a:rPr>
-              <a:t>ngrok</a:t>
-            </a:r>
-            <a:r>
-              <a:rPr lang="en-US" dirty="0" smtClean="0">
-                <a:solidFill>
-                  <a:schemeClr val="tx1"/>
-                </a:solidFill>
-              </a:rPr>
-              <a:t> to publish port 123 </a:t>
-            </a:r>
-            <a:r>
-              <a:rPr lang="en-US" dirty="0">
-                <a:solidFill>
-                  <a:schemeClr val="tx1"/>
-                </a:solidFill>
-              </a:rPr>
-              <a:t> </a:t>
-            </a:r>
-            <a:r>
-              <a:rPr lang="en-US" dirty="0" smtClean="0">
-                <a:solidFill>
-                  <a:schemeClr val="tx1"/>
-                </a:solidFill>
-              </a:rPr>
-              <a:t>to slack app in an hour.</a:t>
+                <a:latin typeface="Verdana (Body)"/>
+              </a:rPr>
+              <a:t>Question: </a:t>
+            </a:r>
+            <a:r>
+              <a:rPr lang="en-US" dirty="0" smtClean="0">
+                <a:solidFill>
+                  <a:srgbClr val="FF3399"/>
+                </a:solidFill>
+                <a:latin typeface="Verdana (Body)"/>
+              </a:rPr>
+              <a:t>How to call thread from Lambda and send translate result stably?</a:t>
             </a:r>
             <a:endParaRPr lang="en-US" dirty="0">
               <a:solidFill>
-                <a:schemeClr val="tx1"/>
+                <a:srgbClr val="FF3399"/>
               </a:solidFill>
             </a:endParaRPr>
           </a:p>
@@ -9016,7 +8865,7 @@
     </p:spTree>
     <p:extLst>
       <p:ext uri="{BB962C8B-B14F-4D97-AF65-F5344CB8AC3E}">
-        <p14:creationId xmlns:p14="http://schemas.microsoft.com/office/powerpoint/2010/main" val="2116741702"/>
+        <p14:creationId xmlns:p14="http://schemas.microsoft.com/office/powerpoint/2010/main" val="1784920526"/>
       </p:ext>
     </p:extLst>
   </p:cSld>
@@ -9066,8 +8915,12 @@
           <a:lstStyle/>
           <a:p>
             <a:r>
+              <a:rPr lang="en-US" dirty="0"/>
+              <a:t>Developing Path: Directly  (</a:t>
+            </a:r>
+            <a:r>
               <a:rPr lang="en-US" dirty="0" smtClean="0"/>
-              <a:t>Lambda’s mechanism</a:t>
+              <a:t>Solution 1)</a:t>
             </a:r>
             <a:endParaRPr lang="en-US" dirty="0"/>
           </a:p>
@@ -9085,20 +8938,31 @@
         </p:nvSpPr>
         <p:spPr/>
         <p:txBody>
-          <a:bodyPr/>
+          <a:bodyPr>
+            <a:normAutofit/>
+          </a:bodyPr>
           <a:lstStyle/>
           <a:p>
             <a:pPr marL="45720" indent="0">
               <a:buNone/>
             </a:pPr>
             <a:r>
-              <a:rPr lang="en-US" dirty="0" smtClean="0">
+              <a:rPr lang="vi-VN" dirty="0" smtClean="0">
                 <a:solidFill>
                   <a:schemeClr val="tx1"/>
                 </a:solidFill>
                 <a:latin typeface="Verdana (Body)"/>
               </a:rPr>
-              <a:t>Lambda will </a:t>
+              <a:t>Solution</a:t>
+            </a:r>
+            <a:r>
+              <a:rPr lang="en-US" dirty="0" smtClean="0">
+                <a:solidFill>
+                  <a:schemeClr val="tx1"/>
+                </a:solidFill>
+                <a:latin typeface="Verdana (Body)"/>
+              </a:rPr>
+              <a:t> 1</a:t>
             </a:r>
             <a:r>
               <a:rPr lang="vi-VN" dirty="0" smtClean="0">
@@ -9107,26 +8971,25 @@
                 </a:solidFill>
                 <a:latin typeface="Verdana (Body)"/>
               </a:rPr>
-              <a:t>sleep/suspend/killed </a:t>
-            </a:r>
-            <a:r>
-              <a:rPr lang="en-US" dirty="0" smtClean="0">
+              <a:t>:</a:t>
+            </a:r>
+            <a:r>
+              <a:rPr lang="vi-VN" dirty="0">
                 <a:solidFill>
                   <a:schemeClr val="tx1"/>
                 </a:solidFill>
                 <a:latin typeface="Verdana (Body)"/>
               </a:rPr>
-              <a:t>current thread  and its childlike thread after returning </a:t>
-            </a:r>
-            <a:r>
-              <a:rPr lang="vi-VN" dirty="0" smtClean="0">
+              <a:t/>
+            </a:r>
+            <a:br>
+              <a:rPr lang="vi-VN" dirty="0">
                 <a:solidFill>
                   <a:schemeClr val="tx1"/>
                 </a:solidFill>
                 <a:latin typeface="Verdana (Body)"/>
               </a:rPr>
-              <a:t>response</a:t>
-            </a:r>
+            </a:br>
             <a:r>
               <a:rPr lang="en-US" dirty="0" smtClean="0">
                 <a:solidFill>
@@ -9134,27 +8997,18 @@
                 </a:solidFill>
                 <a:latin typeface="Verdana (Body)"/>
               </a:rPr>
-              <a:t> in most case.</a:t>
-            </a:r>
-          </a:p>
-          <a:p>
-            <a:pPr marL="45720" indent="0">
-              <a:buNone/>
-            </a:pPr>
+              <a:t>	Use </a:t>
+            </a:r>
             <a:r>
               <a:rPr lang="en-US" dirty="0" smtClean="0">
                 <a:solidFill>
                   <a:schemeClr val="tx1"/>
                 </a:solidFill>
                 <a:latin typeface="Verdana (Body)"/>
-              </a:rPr>
-              <a:t>As result, creating childlike thread to response to Slack bot is unstable.</a:t>
-            </a:r>
-          </a:p>
-          <a:p>
-            <a:pPr marL="45720" indent="0">
-              <a:buNone/>
-            </a:pPr>
+                <a:hlinkClick r:id="rId2"/>
+              </a:rPr>
+              <a:t> Step Functions State Machine </a:t>
+            </a:r>
             <a:endParaRPr lang="en-US" dirty="0" smtClean="0">
               <a:solidFill>
                 <a:schemeClr val="tx1"/>
@@ -9167,27 +9021,116 @@
               <a:buNone/>
             </a:pPr>
             <a:r>
-              <a:rPr lang="en-US" dirty="0" smtClean="0">
+              <a:rPr lang="vi-VN" dirty="0" smtClean="0">
                 <a:solidFill>
                   <a:schemeClr val="tx1"/>
                 </a:solidFill>
                 <a:latin typeface="Verdana (Body)"/>
               </a:rPr>
-              <a:t>Question: </a:t>
-            </a:r>
-            <a:r>
-              <a:rPr lang="en-US" dirty="0" smtClean="0">
-                <a:solidFill>
-                  <a:srgbClr val="FF3399"/>
+              <a:t>Pro:</a:t>
+            </a:r>
+            <a:r>
+              <a:rPr lang="en-US" dirty="0" smtClean="0">
+                <a:solidFill>
+                  <a:schemeClr val="tx1"/>
                 </a:solidFill>
                 <a:latin typeface="Verdana (Body)"/>
               </a:rPr>
-              <a:t>How to call thread from Lambda and send translate result stably?</a:t>
+              <a:t> </a:t>
+            </a:r>
+          </a:p>
+          <a:p>
+            <a:r>
+              <a:rPr lang="en-US" dirty="0" smtClean="0">
+                <a:solidFill>
+                  <a:schemeClr val="tx1"/>
+                </a:solidFill>
+                <a:latin typeface="Verdana (Body)"/>
+              </a:rPr>
+              <a:t>Require small budget</a:t>
+            </a:r>
+          </a:p>
+          <a:p>
+            <a:r>
+              <a:rPr lang="en-US" dirty="0" smtClean="0">
+                <a:solidFill>
+                  <a:schemeClr val="tx1"/>
+                </a:solidFill>
+                <a:latin typeface="Verdana (Body)"/>
+              </a:rPr>
+              <a:t>Fast to dev/deploy in short term</a:t>
             </a:r>
             <a:endParaRPr lang="en-US" dirty="0">
               <a:solidFill>
-                <a:srgbClr val="FF3399"/>
+                <a:schemeClr val="tx1"/>
               </a:solidFill>
+              <a:latin typeface="Verdana (Body)"/>
+            </a:endParaRPr>
+          </a:p>
+          <a:p>
+            <a:pPr marL="45720" indent="0">
+              <a:buNone/>
+            </a:pPr>
+            <a:r>
+              <a:rPr lang="vi-VN" dirty="0" smtClean="0">
+                <a:solidFill>
+                  <a:schemeClr val="tx1"/>
+                </a:solidFill>
+                <a:latin typeface="Verdana (Body)"/>
+              </a:rPr>
+              <a:t>Con:</a:t>
+            </a:r>
+            <a:r>
+              <a:rPr lang="en-US" dirty="0" smtClean="0">
+                <a:solidFill>
+                  <a:schemeClr val="tx1"/>
+                </a:solidFill>
+                <a:latin typeface="Verdana (Body)"/>
+              </a:rPr>
+              <a:t> </a:t>
+            </a:r>
+          </a:p>
+          <a:p>
+            <a:r>
+              <a:rPr lang="en-US" dirty="0">
+                <a:solidFill>
+                  <a:schemeClr val="tx1"/>
+                </a:solidFill>
+                <a:latin typeface="Verdana (Body)"/>
+              </a:rPr>
+              <a:t>H</a:t>
+            </a:r>
+            <a:r>
+              <a:rPr lang="en-US" dirty="0" smtClean="0">
+                <a:solidFill>
+                  <a:schemeClr val="tx1"/>
+                </a:solidFill>
+                <a:latin typeface="Verdana (Body)"/>
+              </a:rPr>
+              <a:t>ard to develop in long term due to distribute project to places on AWS</a:t>
+            </a:r>
+            <a:r>
+              <a:rPr lang="vi-VN" dirty="0">
+                <a:solidFill>
+                  <a:schemeClr val="tx1"/>
+                </a:solidFill>
+                <a:latin typeface="Verdana (Body)"/>
+              </a:rPr>
+              <a:t/>
+            </a:r>
+            <a:br>
+              <a:rPr lang="vi-VN" dirty="0">
+                <a:solidFill>
+                  <a:schemeClr val="tx1"/>
+                </a:solidFill>
+                <a:latin typeface="Verdana (Body)"/>
+              </a:rPr>
+            </a:br>
+            <a:endParaRPr lang="vi-VN" dirty="0">
+              <a:solidFill>
+                <a:schemeClr val="tx1"/>
+              </a:solidFill>
+              <a:latin typeface="Verdana (Body)"/>
             </a:endParaRPr>
           </a:p>
         </p:txBody>
@@ -9195,7 +9138,7 @@
     </p:spTree>
     <p:extLst>
       <p:ext uri="{BB962C8B-B14F-4D97-AF65-F5344CB8AC3E}">
-        <p14:creationId xmlns:p14="http://schemas.microsoft.com/office/powerpoint/2010/main" val="1784920526"/>
+        <p14:creationId xmlns:p14="http://schemas.microsoft.com/office/powerpoint/2010/main" val="2407199505"/>
       </p:ext>
     </p:extLst>
   </p:cSld>
